--- a/Intro2ResSim/WaterOil2PhaseFlow_Distribution2.pptx
+++ b/Intro2ResSim/WaterOil2PhaseFlow_Distribution2.pptx
@@ -150,6 +150,14 @@
 </p:presentation>
 </file>
 
+<file path=ppt/revisionInfo.xml><?xml version="1.0" encoding="utf-8"?>
+<p1510:revInfo xmlns:a="http://schemas.openxmlformats.org/drawingml/2006/main" xmlns:r="http://schemas.openxmlformats.org/officeDocument/2006/relationships" xmlns:p1510="http://schemas.microsoft.com/office/powerpoint/2015/10/main">
+  <p1510:revLst>
+    <p1510:client id="{10581DD3-903C-45F4-8016-B79FE0C0098E}" v="3" dt="2023-01-25T22:17:33.905"/>
+  </p1510:revLst>
+</p1510:revInfo>
+</file>
+
 <file path=ppt/changesInfos/changesInfo1.xml><?xml version="1.0" encoding="utf-8"?>
 <pc:chgInfo xmlns:a="http://schemas.openxmlformats.org/drawingml/2006/main" xmlns:r="http://schemas.openxmlformats.org/officeDocument/2006/relationships" xmlns:ac="http://schemas.microsoft.com/office/drawing/2013/main/command" xmlns:pc="http://schemas.microsoft.com/office/powerpoint/2013/main/command">
   <pc:docChgLst>
@@ -179,6 +187,45 @@
           <pc:docMk/>
           <pc:sldMk cId="1681394602" sldId="434"/>
         </pc:sldMkLst>
+      </pc:sldChg>
+    </pc:docChg>
+  </pc:docChgLst>
+  <pc:docChgLst>
+    <pc:chgData name="hirose taichi" userId="ed2dc4b0-8795-4813-ada8-f41a239e7d7d" providerId="ADAL" clId="{10581DD3-903C-45F4-8016-B79FE0C0098E}"/>
+    <pc:docChg chg="modSld">
+      <pc:chgData name="hirose taichi" userId="ed2dc4b0-8795-4813-ada8-f41a239e7d7d" providerId="ADAL" clId="{10581DD3-903C-45F4-8016-B79FE0C0098E}" dt="2023-01-25T22:17:33.905" v="3" actId="207"/>
+      <pc:docMkLst>
+        <pc:docMk/>
+      </pc:docMkLst>
+      <pc:sldChg chg="modSp mod">
+        <pc:chgData name="hirose taichi" userId="ed2dc4b0-8795-4813-ada8-f41a239e7d7d" providerId="ADAL" clId="{10581DD3-903C-45F4-8016-B79FE0C0098E}" dt="2023-01-25T22:17:25.783" v="2" actId="207"/>
+        <pc:sldMkLst>
+          <pc:docMk/>
+          <pc:sldMk cId="3714317995" sldId="409"/>
+        </pc:sldMkLst>
+        <pc:spChg chg="mod">
+          <ac:chgData name="hirose taichi" userId="ed2dc4b0-8795-4813-ada8-f41a239e7d7d" providerId="ADAL" clId="{10581DD3-903C-45F4-8016-B79FE0C0098E}" dt="2023-01-25T22:17:25.783" v="2" actId="207"/>
+          <ac:spMkLst>
+            <pc:docMk/>
+            <pc:sldMk cId="3714317995" sldId="409"/>
+            <ac:spMk id="2" creationId="{28183F7D-BF66-4F5A-A51C-F4F5EA15673B}"/>
+          </ac:spMkLst>
+        </pc:spChg>
+      </pc:sldChg>
+      <pc:sldChg chg="modSp">
+        <pc:chgData name="hirose taichi" userId="ed2dc4b0-8795-4813-ada8-f41a239e7d7d" providerId="ADAL" clId="{10581DD3-903C-45F4-8016-B79FE0C0098E}" dt="2023-01-25T22:17:33.905" v="3" actId="207"/>
+        <pc:sldMkLst>
+          <pc:docMk/>
+          <pc:sldMk cId="1300278304" sldId="411"/>
+        </pc:sldMkLst>
+        <pc:spChg chg="mod">
+          <ac:chgData name="hirose taichi" userId="ed2dc4b0-8795-4813-ada8-f41a239e7d7d" providerId="ADAL" clId="{10581DD3-903C-45F4-8016-B79FE0C0098E}" dt="2023-01-25T22:17:33.905" v="3" actId="207"/>
+          <ac:spMkLst>
+            <pc:docMk/>
+            <pc:sldMk cId="1300278304" sldId="411"/>
+            <ac:spMk id="2" creationId="{28183F7D-BF66-4F5A-A51C-F4F5EA15673B}"/>
+          </ac:spMkLst>
+        </pc:spChg>
       </pc:sldChg>
     </pc:docChg>
   </pc:docChgLst>
@@ -267,7 +314,7 @@
           <a:p>
             <a:fld id="{5186C602-ADD5-904C-8024-0435CAED47E2}" type="datetimeFigureOut">
               <a:rPr kumimoji="1" lang="ja-JP" altLang="en-US" smtClean="0"/>
-              <a:t>2022/12/12</a:t>
+              <a:t>2023/1/26</a:t>
             </a:fld>
             <a:endParaRPr kumimoji="1" lang="ja-JP" altLang="en-US"/>
           </a:p>
@@ -9571,8 +9618,8 @@
           <a:chExt cx="0" cy="0"/>
         </a:xfrm>
       </p:grpSpPr>
-      <mc:AlternateContent xmlns:mc="http://schemas.openxmlformats.org/markup-compatibility/2006" xmlns:a14="http://schemas.microsoft.com/office/drawing/2010/main">
-        <mc:Choice Requires="a14">
+      <mc:AlternateContent xmlns:mc="http://schemas.openxmlformats.org/markup-compatibility/2006">
+        <mc:Choice xmlns:a14="http://schemas.microsoft.com/office/drawing/2010/main" Requires="a14">
           <p:sp>
             <p:nvSpPr>
               <p:cNvPr id="2" name="コンテンツ プレースホルダー 1">
@@ -9602,10 +9649,24 @@
                   </a:lnSpc>
                 </a:pPr>
                 <a:r>
-                  <a:rPr kumimoji="1" lang="ja-JP" altLang="en-US" sz="2800" dirty="0"/>
+                  <a:rPr kumimoji="1" lang="ja-JP" altLang="en-US" sz="2800" dirty="0">
+                    <a:solidFill>
+                      <a:schemeClr val="tx1">
+                        <a:lumMod val="75000"/>
+                        <a:lumOff val="25000"/>
+                      </a:schemeClr>
+                    </a:solidFill>
+                  </a:rPr>
                   <a:t>水の質量保存則</a:t>
                 </a:r>
-                <a:endParaRPr kumimoji="1" lang="en-US" altLang="ja-JP" sz="2800" dirty="0"/>
+                <a:endParaRPr kumimoji="1" lang="en-US" altLang="ja-JP" sz="2800" dirty="0">
+                  <a:solidFill>
+                    <a:schemeClr val="tx1">
+                      <a:lumMod val="75000"/>
+                      <a:lumOff val="25000"/>
+                    </a:schemeClr>
+                  </a:solidFill>
+                </a:endParaRPr>
               </a:p>
               <a:p>
                 <a:pPr marL="0" indent="0">
@@ -9621,6 +9682,12 @@
                         <m:fPr>
                           <m:ctrlPr>
                             <a:rPr lang="en-US" altLang="ja-JP" sz="2800" i="1">
+                              <a:solidFill>
+                                <a:schemeClr val="tx1">
+                                  <a:lumMod val="75000"/>
+                                  <a:lumOff val="25000"/>
+                                </a:schemeClr>
+                              </a:solidFill>
                               <a:latin typeface="Cambria Math" panose="02040503050406030204" pitchFamily="18" charset="0"/>
                             </a:rPr>
                           </m:ctrlPr>
@@ -9628,6 +9695,12 @@
                         <m:num>
                           <m:r>
                             <a:rPr lang="ja-JP" altLang="en-US" sz="2800" i="1">
+                              <a:solidFill>
+                                <a:schemeClr val="tx1">
+                                  <a:lumMod val="75000"/>
+                                  <a:lumOff val="25000"/>
+                                </a:schemeClr>
+                              </a:solidFill>
                               <a:latin typeface="Cambria Math" panose="02040503050406030204" pitchFamily="18" charset="0"/>
                             </a:rPr>
                             <m:t>𝜕</m:t>
@@ -9636,12 +9709,24 @@
                         <m:den>
                           <m:r>
                             <a:rPr lang="ja-JP" altLang="en-US" sz="2800" i="1">
+                              <a:solidFill>
+                                <a:schemeClr val="tx1">
+                                  <a:lumMod val="75000"/>
+                                  <a:lumOff val="25000"/>
+                                </a:schemeClr>
+                              </a:solidFill>
                               <a:latin typeface="Cambria Math" panose="02040503050406030204" pitchFamily="18" charset="0"/>
                             </a:rPr>
                             <m:t>𝜕</m:t>
                           </m:r>
                           <m:r>
                             <a:rPr lang="en-US" altLang="ja-JP" sz="2800" i="1">
+                              <a:solidFill>
+                                <a:schemeClr val="tx1">
+                                  <a:lumMod val="75000"/>
+                                  <a:lumOff val="25000"/>
+                                </a:schemeClr>
+                              </a:solidFill>
                               <a:latin typeface="Cambria Math" panose="02040503050406030204" pitchFamily="18" charset="0"/>
                             </a:rPr>
                             <m:t>𝑡</m:t>
@@ -9652,6 +9737,12 @@
                         <m:sSubSupPr>
                           <m:ctrlPr>
                             <a:rPr lang="en-US" altLang="ja-JP" sz="2800" i="1">
+                              <a:solidFill>
+                                <a:schemeClr val="tx1">
+                                  <a:lumMod val="75000"/>
+                                  <a:lumOff val="25000"/>
+                                </a:schemeClr>
+                              </a:solidFill>
                               <a:latin typeface="Cambria Math" panose="02040503050406030204" pitchFamily="18" charset="0"/>
                             </a:rPr>
                           </m:ctrlPr>
@@ -9659,6 +9750,12 @@
                         <m:e>
                           <m:r>
                             <a:rPr lang="ja-JP" altLang="en-US" sz="2800" i="1">
+                              <a:solidFill>
+                                <a:schemeClr val="tx1">
+                                  <a:lumMod val="75000"/>
+                                  <a:lumOff val="25000"/>
+                                </a:schemeClr>
+                              </a:solidFill>
                               <a:latin typeface="Cambria Math" panose="02040503050406030204" pitchFamily="18" charset="0"/>
                             </a:rPr>
                             <m:t>𝜌</m:t>
@@ -9667,6 +9764,12 @@
                         <m:sub>
                           <m:r>
                             <a:rPr lang="en-US" altLang="ja-JP" sz="2800" b="0" i="1" smtClean="0">
+                              <a:solidFill>
+                                <a:schemeClr val="tx1">
+                                  <a:lumMod val="75000"/>
+                                  <a:lumOff val="25000"/>
+                                </a:schemeClr>
+                              </a:solidFill>
                               <a:latin typeface="Cambria Math" panose="02040503050406030204" pitchFamily="18" charset="0"/>
                             </a:rPr>
                             <m:t>𝑤</m:t>
@@ -9675,6 +9778,12 @@
                         <m:sup>
                           <m:r>
                             <a:rPr lang="en-US" altLang="ja-JP" sz="2800" i="1">
+                              <a:solidFill>
+                                <a:schemeClr val="tx1">
+                                  <a:lumMod val="75000"/>
+                                  <a:lumOff val="25000"/>
+                                </a:schemeClr>
+                              </a:solidFill>
                               <a:latin typeface="Cambria Math" panose="02040503050406030204" pitchFamily="18" charset="0"/>
                             </a:rPr>
                             <m:t>𝑅𝐶</m:t>
@@ -9683,6 +9792,12 @@
                       </m:sSubSup>
                       <m:r>
                         <a:rPr lang="ja-JP" altLang="en-US" sz="2800" i="1">
+                          <a:solidFill>
+                            <a:schemeClr val="tx1">
+                              <a:lumMod val="75000"/>
+                              <a:lumOff val="25000"/>
+                            </a:schemeClr>
+                          </a:solidFill>
                           <a:latin typeface="Cambria Math" panose="02040503050406030204" pitchFamily="18" charset="0"/>
                         </a:rPr>
                         <m:t>𝜙</m:t>
@@ -9691,6 +9806,12 @@
                         <m:sSubPr>
                           <m:ctrlPr>
                             <a:rPr lang="en-US" altLang="ja-JP" sz="2800" i="1">
+                              <a:solidFill>
+                                <a:schemeClr val="tx1">
+                                  <a:lumMod val="75000"/>
+                                  <a:lumOff val="25000"/>
+                                </a:schemeClr>
+                              </a:solidFill>
                               <a:latin typeface="Cambria Math" panose="02040503050406030204" pitchFamily="18" charset="0"/>
                             </a:rPr>
                           </m:ctrlPr>
@@ -9698,6 +9819,12 @@
                         <m:e>
                           <m:r>
                             <a:rPr lang="en-US" altLang="ja-JP" sz="2800" i="1">
+                              <a:solidFill>
+                                <a:schemeClr val="tx1">
+                                  <a:lumMod val="75000"/>
+                                  <a:lumOff val="25000"/>
+                                </a:schemeClr>
+                              </a:solidFill>
                               <a:latin typeface="Cambria Math" panose="02040503050406030204" pitchFamily="18" charset="0"/>
                             </a:rPr>
                             <m:t>𝑆</m:t>
@@ -9706,6 +9833,12 @@
                         <m:sub>
                           <m:r>
                             <a:rPr lang="en-US" altLang="ja-JP" sz="2800" i="1">
+                              <a:solidFill>
+                                <a:schemeClr val="tx1">
+                                  <a:lumMod val="75000"/>
+                                  <a:lumOff val="25000"/>
+                                </a:schemeClr>
+                              </a:solidFill>
                               <a:latin typeface="Cambria Math" panose="02040503050406030204" pitchFamily="18" charset="0"/>
                             </a:rPr>
                             <m:t>𝑤</m:t>
@@ -9715,7 +9848,10 @@
                       <m:r>
                         <a:rPr kumimoji="1" lang="en-US" altLang="ja-JP" sz="2800" i="1" smtClean="0">
                           <a:solidFill>
-                            <a:schemeClr val="tx1"/>
+                            <a:schemeClr val="tx1">
+                              <a:lumMod val="75000"/>
+                              <a:lumOff val="25000"/>
+                            </a:schemeClr>
                           </a:solidFill>
                           <a:latin typeface="Cambria Math" panose="02040503050406030204" pitchFamily="18" charset="0"/>
                           <a:ea typeface="Cambria Math" panose="02040503050406030204" pitchFamily="18" charset="0"/>
@@ -9725,7 +9861,10 @@
                       <m:r>
                         <a:rPr kumimoji="1" lang="en-US" altLang="ja-JP" sz="2800" b="0" i="1" smtClean="0">
                           <a:solidFill>
-                            <a:schemeClr val="tx1"/>
+                            <a:schemeClr val="tx1">
+                              <a:lumMod val="75000"/>
+                              <a:lumOff val="25000"/>
+                            </a:schemeClr>
                           </a:solidFill>
                           <a:latin typeface="Cambria Math" panose="02040503050406030204" pitchFamily="18" charset="0"/>
                           <a:ea typeface="Cambria Math" panose="02040503050406030204" pitchFamily="18" charset="0"/>
@@ -9738,7 +9877,10 @@
                         </m:rPr>
                         <a:rPr kumimoji="1" lang="en-US" altLang="ja-JP" sz="2800" i="1" smtClean="0">
                           <a:solidFill>
-                            <a:schemeClr val="tx1"/>
+                            <a:schemeClr val="tx1">
+                              <a:lumMod val="75000"/>
+                              <a:lumOff val="25000"/>
+                            </a:schemeClr>
                           </a:solidFill>
                           <a:latin typeface="Cambria Math" panose="02040503050406030204" pitchFamily="18" charset="0"/>
                           <a:ea typeface="Cambria Math" panose="02040503050406030204" pitchFamily="18" charset="0"/>
@@ -9748,7 +9890,10 @@
                       <m:r>
                         <a:rPr lang="en-US" altLang="ja-JP" sz="2800" i="1">
                           <a:solidFill>
-                            <a:schemeClr val="tx1"/>
+                            <a:schemeClr val="tx1">
+                              <a:lumMod val="75000"/>
+                              <a:lumOff val="25000"/>
+                            </a:schemeClr>
                           </a:solidFill>
                           <a:latin typeface="Cambria Math" panose="02040503050406030204" pitchFamily="18" charset="0"/>
                           <a:ea typeface="Cambria Math" panose="02040503050406030204" pitchFamily="18" charset="0"/>
@@ -9758,7 +9903,13 @@
                       <m:sSubSup>
                         <m:sSubSupPr>
                           <m:ctrlPr>
-                            <a:rPr lang="en-US" altLang="ja-JP" sz="2800" i="1">
+                            <a:rPr lang="en-US" altLang="ja-JP" sz="2800" i="1" smtClean="0">
+                              <a:solidFill>
+                                <a:schemeClr val="tx1">
+                                  <a:lumMod val="75000"/>
+                                  <a:lumOff val="25000"/>
+                                </a:schemeClr>
+                              </a:solidFill>
                               <a:latin typeface="Cambria Math" panose="02040503050406030204" pitchFamily="18" charset="0"/>
                             </a:rPr>
                           </m:ctrlPr>
@@ -9766,6 +9917,12 @@
                         <m:e>
                           <m:r>
                             <a:rPr lang="ja-JP" altLang="en-US" sz="2800" i="1">
+                              <a:solidFill>
+                                <a:schemeClr val="tx1">
+                                  <a:lumMod val="75000"/>
+                                  <a:lumOff val="25000"/>
+                                </a:schemeClr>
+                              </a:solidFill>
                               <a:latin typeface="Cambria Math" panose="02040503050406030204" pitchFamily="18" charset="0"/>
                             </a:rPr>
                             <m:t>𝜌</m:t>
@@ -9774,6 +9931,12 @@
                         <m:sub>
                           <m:r>
                             <a:rPr lang="en-US" altLang="ja-JP" sz="2800" i="1">
+                              <a:solidFill>
+                                <a:schemeClr val="tx1">
+                                  <a:lumMod val="75000"/>
+                                  <a:lumOff val="25000"/>
+                                </a:schemeClr>
+                              </a:solidFill>
                               <a:latin typeface="Cambria Math" panose="02040503050406030204" pitchFamily="18" charset="0"/>
                             </a:rPr>
                             <m:t>𝑤</m:t>
@@ -9782,6 +9945,12 @@
                         <m:sup>
                           <m:r>
                             <a:rPr lang="en-US" altLang="ja-JP" sz="2800" i="1">
+                              <a:solidFill>
+                                <a:schemeClr val="tx1">
+                                  <a:lumMod val="75000"/>
+                                  <a:lumOff val="25000"/>
+                                </a:schemeClr>
+                              </a:solidFill>
                               <a:latin typeface="Cambria Math" panose="02040503050406030204" pitchFamily="18" charset="0"/>
                             </a:rPr>
                             <m:t>𝑅𝐶</m:t>
@@ -9793,7 +9962,10 @@
                           <m:ctrlPr>
                             <a:rPr kumimoji="1" lang="en-US" altLang="ja-JP" sz="2800" i="1" smtClean="0">
                               <a:solidFill>
-                                <a:schemeClr val="tx1"/>
+                                <a:schemeClr val="tx1">
+                                  <a:lumMod val="75000"/>
+                                  <a:lumOff val="25000"/>
+                                </a:schemeClr>
                               </a:solidFill>
                               <a:latin typeface="Cambria Math" panose="02040503050406030204" pitchFamily="18" charset="0"/>
                               <a:ea typeface="Cambria Math" panose="02040503050406030204" pitchFamily="18" charset="0"/>
@@ -9804,7 +9976,10 @@
                           <m:r>
                             <a:rPr kumimoji="1" lang="en-US" altLang="ja-JP" sz="2800" b="0" i="1" smtClean="0">
                               <a:solidFill>
-                                <a:schemeClr val="tx1"/>
+                                <a:schemeClr val="tx1">
+                                  <a:lumMod val="75000"/>
+                                  <a:lumOff val="25000"/>
+                                </a:schemeClr>
                               </a:solidFill>
                               <a:latin typeface="Cambria Math" panose="02040503050406030204" pitchFamily="18" charset="0"/>
                               <a:ea typeface="Cambria Math" panose="02040503050406030204" pitchFamily="18" charset="0"/>
@@ -9816,7 +9991,10 @@
                           <m:r>
                             <a:rPr kumimoji="1" lang="en-US" altLang="ja-JP" sz="2800" b="0" i="1" smtClean="0">
                               <a:solidFill>
-                                <a:schemeClr val="tx1"/>
+                                <a:schemeClr val="tx1">
+                                  <a:lumMod val="75000"/>
+                                  <a:lumOff val="25000"/>
+                                </a:schemeClr>
                               </a:solidFill>
                               <a:latin typeface="Cambria Math" panose="02040503050406030204" pitchFamily="18" charset="0"/>
                               <a:ea typeface="Cambria Math" panose="02040503050406030204" pitchFamily="18" charset="0"/>
@@ -9828,7 +10006,10 @@
                       <m:r>
                         <a:rPr kumimoji="1" lang="en-US" altLang="ja-JP" sz="2800" b="0" i="1" smtClean="0">
                           <a:solidFill>
-                            <a:schemeClr val="tx1"/>
+                            <a:schemeClr val="tx1">
+                              <a:lumMod val="75000"/>
+                              <a:lumOff val="25000"/>
+                            </a:schemeClr>
                           </a:solidFill>
                           <a:latin typeface="Cambria Math" panose="02040503050406030204" pitchFamily="18" charset="0"/>
                           <a:ea typeface="Cambria Math" panose="02040503050406030204" pitchFamily="18" charset="0"/>
@@ -9840,7 +10021,10 @@
                           <m:ctrlPr>
                             <a:rPr kumimoji="1" lang="en-US" altLang="ja-JP" sz="2800" b="0" i="1" smtClean="0">
                               <a:solidFill>
-                                <a:schemeClr val="tx1"/>
+                                <a:schemeClr val="tx1">
+                                  <a:lumMod val="75000"/>
+                                  <a:lumOff val="25000"/>
+                                </a:schemeClr>
                               </a:solidFill>
                               <a:latin typeface="Cambria Math" panose="02040503050406030204" pitchFamily="18" charset="0"/>
                               <a:ea typeface="Cambria Math" panose="02040503050406030204" pitchFamily="18" charset="0"/>
@@ -9854,7 +10038,10 @@
                               <m:ctrlPr>
                                 <a:rPr kumimoji="1" lang="en-US" altLang="ja-JP" sz="2800" b="0" i="1" smtClean="0">
                                   <a:solidFill>
-                                    <a:schemeClr val="tx1"/>
+                                    <a:schemeClr val="tx1">
+                                      <a:lumMod val="75000"/>
+                                      <a:lumOff val="25000"/>
+                                    </a:schemeClr>
                                   </a:solidFill>
                                   <a:latin typeface="Cambria Math" panose="02040503050406030204" pitchFamily="18" charset="0"/>
                                   <a:ea typeface="Cambria Math" panose="02040503050406030204" pitchFamily="18" charset="0"/>
@@ -9865,7 +10052,10 @@
                               <m:r>
                                 <a:rPr kumimoji="1" lang="en-US" altLang="ja-JP" sz="2800" b="0" i="1" smtClean="0">
                                   <a:solidFill>
-                                    <a:schemeClr val="tx1"/>
+                                    <a:schemeClr val="tx1">
+                                      <a:lumMod val="75000"/>
+                                      <a:lumOff val="25000"/>
+                                    </a:schemeClr>
                                   </a:solidFill>
                                   <a:latin typeface="Cambria Math" panose="02040503050406030204" pitchFamily="18" charset="0"/>
                                   <a:ea typeface="Cambria Math" panose="02040503050406030204" pitchFamily="18" charset="0"/>
@@ -9879,7 +10069,10 @@
                           <m:r>
                             <a:rPr kumimoji="1" lang="en-US" altLang="ja-JP" sz="2800" b="0" i="1" smtClean="0">
                               <a:solidFill>
-                                <a:schemeClr val="tx1"/>
+                                <a:schemeClr val="tx1">
+                                  <a:lumMod val="75000"/>
+                                  <a:lumOff val="25000"/>
+                                </a:schemeClr>
                               </a:solidFill>
                               <a:latin typeface="Cambria Math" panose="02040503050406030204" pitchFamily="18" charset="0"/>
                               <a:ea typeface="Cambria Math" panose="02040503050406030204" pitchFamily="18" charset="0"/>
@@ -9891,7 +10084,14 @@
                     </m:oMath>
                   </m:oMathPara>
                 </a14:m>
-                <a:endParaRPr kumimoji="1" lang="en-US" altLang="ja-JP" sz="2800" dirty="0"/>
+                <a:endParaRPr kumimoji="1" lang="en-US" altLang="ja-JP" sz="2800" dirty="0">
+                  <a:solidFill>
+                    <a:schemeClr val="tx1">
+                      <a:lumMod val="75000"/>
+                      <a:lumOff val="25000"/>
+                    </a:schemeClr>
+                  </a:solidFill>
+                </a:endParaRPr>
               </a:p>
               <a:p>
                 <a:pPr>
@@ -9900,18 +10100,46 @@
                   </a:lnSpc>
                 </a:pPr>
                 <a:r>
-                  <a:rPr kumimoji="1" lang="ja-JP" altLang="en-US" sz="2800" dirty="0"/>
+                  <a:rPr kumimoji="1" lang="ja-JP" altLang="en-US" sz="2800" dirty="0">
+                    <a:solidFill>
+                      <a:schemeClr val="tx1">
+                        <a:lumMod val="75000"/>
+                        <a:lumOff val="25000"/>
+                      </a:schemeClr>
+                    </a:solidFill>
+                  </a:rPr>
                   <a:t>ダルシーの法則（</a:t>
                 </a:r>
                 <a:r>
-                  <a:rPr kumimoji="1" lang="en-US" altLang="ja-JP" sz="2800" dirty="0"/>
+                  <a:rPr kumimoji="1" lang="en-US" altLang="ja-JP" sz="2800" dirty="0">
+                    <a:solidFill>
+                      <a:schemeClr val="tx1">
+                        <a:lumMod val="75000"/>
+                        <a:lumOff val="25000"/>
+                      </a:schemeClr>
+                    </a:solidFill>
+                  </a:rPr>
                   <a:t>2</a:t>
                 </a:r>
                 <a:r>
-                  <a:rPr lang="ja-JP" altLang="en-US" sz="2800" dirty="0"/>
+                  <a:rPr lang="ja-JP" altLang="en-US" sz="2800" dirty="0">
+                    <a:solidFill>
+                      <a:schemeClr val="tx1">
+                        <a:lumMod val="75000"/>
+                        <a:lumOff val="25000"/>
+                      </a:schemeClr>
+                    </a:solidFill>
+                  </a:rPr>
                   <a:t>相流）</a:t>
                 </a:r>
-                <a:endParaRPr kumimoji="1" lang="en-US" altLang="ja-JP" sz="2800" dirty="0"/>
+                <a:endParaRPr kumimoji="1" lang="en-US" altLang="ja-JP" sz="2800" dirty="0">
+                  <a:solidFill>
+                    <a:schemeClr val="tx1">
+                      <a:lumMod val="75000"/>
+                      <a:lumOff val="25000"/>
+                    </a:schemeClr>
+                  </a:solidFill>
+                </a:endParaRPr>
               </a:p>
               <a:p>
                 <a:pPr marL="0" indent="0">
@@ -9931,7 +10159,10 @@
                           <m:ctrlPr>
                             <a:rPr lang="en-US" altLang="ja-JP" sz="2800" i="1">
                               <a:solidFill>
-                                <a:schemeClr val="tx1"/>
+                                <a:schemeClr val="tx1">
+                                  <a:lumMod val="75000"/>
+                                  <a:lumOff val="25000"/>
+                                </a:schemeClr>
                               </a:solidFill>
                               <a:latin typeface="Cambria Math" panose="02040503050406030204" pitchFamily="18" charset="0"/>
                               <a:ea typeface="Cambria Math" panose="02040503050406030204" pitchFamily="18" charset="0"/>
@@ -9942,7 +10173,10 @@
                           <m:r>
                             <a:rPr lang="en-US" altLang="ja-JP" sz="2800" i="1">
                               <a:solidFill>
-                                <a:schemeClr val="tx1"/>
+                                <a:schemeClr val="tx1">
+                                  <a:lumMod val="75000"/>
+                                  <a:lumOff val="25000"/>
+                                </a:schemeClr>
                               </a:solidFill>
                               <a:latin typeface="Cambria Math" panose="02040503050406030204" pitchFamily="18" charset="0"/>
                               <a:ea typeface="Cambria Math" panose="02040503050406030204" pitchFamily="18" charset="0"/>
@@ -9954,7 +10188,10 @@
                           <m:r>
                             <a:rPr lang="en-US" altLang="ja-JP" sz="2800" i="1">
                               <a:solidFill>
-                                <a:schemeClr val="tx1"/>
+                                <a:schemeClr val="tx1">
+                                  <a:lumMod val="75000"/>
+                                  <a:lumOff val="25000"/>
+                                </a:schemeClr>
                               </a:solidFill>
                               <a:latin typeface="Cambria Math" panose="02040503050406030204" pitchFamily="18" charset="0"/>
                               <a:ea typeface="Cambria Math" panose="02040503050406030204" pitchFamily="18" charset="0"/>
@@ -9966,7 +10203,10 @@
                       <m:r>
                         <a:rPr kumimoji="1" lang="en-US" altLang="ja-JP" sz="2800" i="1" smtClean="0">
                           <a:solidFill>
-                            <a:schemeClr val="tx1"/>
+                            <a:schemeClr val="tx1">
+                              <a:lumMod val="75000"/>
+                              <a:lumOff val="25000"/>
+                            </a:schemeClr>
                           </a:solidFill>
                           <a:latin typeface="Cambria Math" panose="02040503050406030204" pitchFamily="18" charset="0"/>
                           <a:ea typeface="Cambria Math" panose="02040503050406030204" pitchFamily="18" charset="0"/>
@@ -9976,7 +10216,10 @@
                       <m:r>
                         <a:rPr kumimoji="1" lang="en-US" altLang="ja-JP" sz="2800" b="0" i="1" smtClean="0">
                           <a:solidFill>
-                            <a:schemeClr val="tx1"/>
+                            <a:schemeClr val="tx1">
+                              <a:lumMod val="75000"/>
+                              <a:lumOff val="25000"/>
+                            </a:schemeClr>
                           </a:solidFill>
                           <a:latin typeface="Cambria Math" panose="02040503050406030204" pitchFamily="18" charset="0"/>
                           <a:ea typeface="Cambria Math" panose="02040503050406030204" pitchFamily="18" charset="0"/>
@@ -9988,7 +10231,10 @@
                           <m:ctrlPr>
                             <a:rPr lang="en-US" altLang="ja-JP" sz="2800" i="1">
                               <a:solidFill>
-                                <a:schemeClr val="tx1"/>
+                                <a:schemeClr val="tx1">
+                                  <a:lumMod val="75000"/>
+                                  <a:lumOff val="25000"/>
+                                </a:schemeClr>
                               </a:solidFill>
                               <a:latin typeface="Cambria Math" panose="02040503050406030204" pitchFamily="18" charset="0"/>
                               <a:ea typeface="Cambria Math" panose="02040503050406030204" pitchFamily="18" charset="0"/>
@@ -9999,7 +10245,10 @@
                           <m:r>
                             <a:rPr lang="en-US" altLang="ja-JP" sz="2800" i="1">
                               <a:solidFill>
-                                <a:schemeClr val="tx1"/>
+                                <a:schemeClr val="tx1">
+                                  <a:lumMod val="75000"/>
+                                  <a:lumOff val="25000"/>
+                                </a:schemeClr>
                               </a:solidFill>
                               <a:latin typeface="Cambria Math" panose="02040503050406030204" pitchFamily="18" charset="0"/>
                               <a:ea typeface="Cambria Math" panose="02040503050406030204" pitchFamily="18" charset="0"/>
@@ -10011,7 +10260,10 @@
                               <m:ctrlPr>
                                 <a:rPr lang="en-US" altLang="ja-JP" sz="2800" i="1">
                                   <a:solidFill>
-                                    <a:schemeClr val="tx1"/>
+                                    <a:schemeClr val="tx1">
+                                      <a:lumMod val="75000"/>
+                                      <a:lumOff val="25000"/>
+                                    </a:schemeClr>
                                   </a:solidFill>
                                   <a:latin typeface="Cambria Math" panose="02040503050406030204" pitchFamily="18" charset="0"/>
                                   <a:ea typeface="Cambria Math" panose="02040503050406030204" pitchFamily="18" charset="0"/>
@@ -10022,7 +10274,10 @@
                               <m:r>
                                 <a:rPr lang="en-US" altLang="ja-JP" sz="2800" i="1">
                                   <a:solidFill>
-                                    <a:schemeClr val="tx1"/>
+                                    <a:schemeClr val="tx1">
+                                      <a:lumMod val="75000"/>
+                                      <a:lumOff val="25000"/>
+                                    </a:schemeClr>
                                   </a:solidFill>
                                   <a:latin typeface="Cambria Math" panose="02040503050406030204" pitchFamily="18" charset="0"/>
                                   <a:ea typeface="Cambria Math" panose="02040503050406030204" pitchFamily="18" charset="0"/>
@@ -10034,7 +10289,10 @@
                               <m:r>
                                 <a:rPr lang="en-US" altLang="ja-JP" sz="2800" i="1">
                                   <a:solidFill>
-                                    <a:schemeClr val="tx1"/>
+                                    <a:schemeClr val="tx1">
+                                      <a:lumMod val="75000"/>
+                                      <a:lumOff val="25000"/>
+                                    </a:schemeClr>
                                   </a:solidFill>
                                   <a:latin typeface="Cambria Math" panose="02040503050406030204" pitchFamily="18" charset="0"/>
                                   <a:ea typeface="Cambria Math" panose="02040503050406030204" pitchFamily="18" charset="0"/>
@@ -10050,7 +10308,10 @@
                               <m:ctrlPr>
                                 <a:rPr lang="en-US" altLang="ja-JP" sz="2800" i="1">
                                   <a:solidFill>
-                                    <a:schemeClr val="tx1"/>
+                                    <a:schemeClr val="tx1">
+                                      <a:lumMod val="75000"/>
+                                      <a:lumOff val="25000"/>
+                                    </a:schemeClr>
                                   </a:solidFill>
                                   <a:latin typeface="Cambria Math" panose="02040503050406030204" pitchFamily="18" charset="0"/>
                                   <a:ea typeface="Cambria Math" panose="02040503050406030204" pitchFamily="18" charset="0"/>
@@ -10061,7 +10322,10 @@
                               <m:r>
                                 <a:rPr lang="ja-JP" altLang="en-US" sz="2800" i="1">
                                   <a:solidFill>
-                                    <a:schemeClr val="tx1"/>
+                                    <a:schemeClr val="tx1">
+                                      <a:lumMod val="75000"/>
+                                      <a:lumOff val="25000"/>
+                                    </a:schemeClr>
                                   </a:solidFill>
                                   <a:latin typeface="Cambria Math" panose="02040503050406030204" pitchFamily="18" charset="0"/>
                                   <a:ea typeface="Cambria Math" panose="02040503050406030204" pitchFamily="18" charset="0"/>
@@ -10073,7 +10337,10 @@
                               <m:r>
                                 <a:rPr lang="en-US" altLang="ja-JP" sz="2800" i="1">
                                   <a:solidFill>
-                                    <a:schemeClr val="tx1"/>
+                                    <a:schemeClr val="tx1">
+                                      <a:lumMod val="75000"/>
+                                      <a:lumOff val="25000"/>
+                                    </a:schemeClr>
                                   </a:solidFill>
                                   <a:latin typeface="Cambria Math" panose="02040503050406030204" pitchFamily="18" charset="0"/>
                                   <a:ea typeface="Cambria Math" panose="02040503050406030204" pitchFamily="18" charset="0"/>
@@ -10089,7 +10356,10 @@
                           <m:ctrlPr>
                             <a:rPr lang="en-US" altLang="ja-JP" sz="2800" i="1" smtClean="0">
                               <a:solidFill>
-                                <a:schemeClr val="tx1"/>
+                                <a:schemeClr val="tx1">
+                                  <a:lumMod val="75000"/>
+                                  <a:lumOff val="25000"/>
+                                </a:schemeClr>
                               </a:solidFill>
                               <a:latin typeface="Cambria Math" panose="02040503050406030204" pitchFamily="18" charset="0"/>
                               <a:ea typeface="Cambria Math" panose="02040503050406030204" pitchFamily="18" charset="0"/>
@@ -10103,7 +10373,10 @@
                             </m:rPr>
                             <a:rPr lang="en-US" altLang="ja-JP" sz="2800" i="1">
                               <a:solidFill>
-                                <a:schemeClr val="tx1"/>
+                                <a:schemeClr val="tx1">
+                                  <a:lumMod val="75000"/>
+                                  <a:lumOff val="25000"/>
+                                </a:schemeClr>
                               </a:solidFill>
                               <a:latin typeface="Cambria Math" panose="02040503050406030204" pitchFamily="18" charset="0"/>
                               <a:ea typeface="Cambria Math" panose="02040503050406030204" pitchFamily="18" charset="0"/>
@@ -10115,7 +10388,10 @@
                               <m:ctrlPr>
                                 <a:rPr lang="en-US" altLang="ja-JP" sz="2800" i="1" smtClean="0">
                                   <a:solidFill>
-                                    <a:schemeClr val="tx1"/>
+                                    <a:schemeClr val="tx1">
+                                      <a:lumMod val="75000"/>
+                                      <a:lumOff val="25000"/>
+                                    </a:schemeClr>
                                   </a:solidFill>
                                   <a:latin typeface="Cambria Math" panose="02040503050406030204" pitchFamily="18" charset="0"/>
                                   <a:ea typeface="Cambria Math" panose="02040503050406030204" pitchFamily="18" charset="0"/>
@@ -10126,7 +10402,10 @@
                               <m:r>
                                 <a:rPr lang="en-US" altLang="ja-JP" sz="2800" b="0" i="1" smtClean="0">
                                   <a:solidFill>
-                                    <a:schemeClr val="tx1"/>
+                                    <a:schemeClr val="tx1">
+                                      <a:lumMod val="75000"/>
+                                      <a:lumOff val="25000"/>
+                                    </a:schemeClr>
                                   </a:solidFill>
                                   <a:latin typeface="Cambria Math" panose="02040503050406030204" pitchFamily="18" charset="0"/>
                                   <a:ea typeface="Cambria Math" panose="02040503050406030204" pitchFamily="18" charset="0"/>
@@ -10138,7 +10417,10 @@
                               <m:r>
                                 <a:rPr lang="en-US" altLang="ja-JP" sz="2800" b="0" i="1" smtClean="0">
                                   <a:solidFill>
-                                    <a:schemeClr val="tx1"/>
+                                    <a:schemeClr val="tx1">
+                                      <a:lumMod val="75000"/>
+                                      <a:lumOff val="25000"/>
+                                    </a:schemeClr>
                                   </a:solidFill>
                                   <a:latin typeface="Cambria Math" panose="02040503050406030204" pitchFamily="18" charset="0"/>
                                   <a:ea typeface="Cambria Math" panose="02040503050406030204" pitchFamily="18" charset="0"/>
@@ -10150,7 +10432,10 @@
                           <m:r>
                             <a:rPr lang="en-US" altLang="ja-JP" sz="2800" b="0" i="1" smtClean="0">
                               <a:solidFill>
-                                <a:schemeClr val="tx1"/>
+                                <a:schemeClr val="tx1">
+                                  <a:lumMod val="75000"/>
+                                  <a:lumOff val="25000"/>
+                                </a:schemeClr>
                               </a:solidFill>
                               <a:latin typeface="Cambria Math" panose="02040503050406030204" pitchFamily="18" charset="0"/>
                               <a:ea typeface="Cambria Math" panose="02040503050406030204" pitchFamily="18" charset="0"/>
@@ -10162,7 +10447,10 @@
                               <m:ctrlPr>
                                 <a:rPr lang="en-US" altLang="ja-JP" sz="2800" b="0" i="1" smtClean="0">
                                   <a:solidFill>
-                                    <a:schemeClr val="tx1"/>
+                                    <a:schemeClr val="tx1">
+                                      <a:lumMod val="75000"/>
+                                      <a:lumOff val="25000"/>
+                                    </a:schemeClr>
                                   </a:solidFill>
                                   <a:latin typeface="Cambria Math" panose="02040503050406030204" pitchFamily="18" charset="0"/>
                                   <a:ea typeface="Cambria Math" panose="02040503050406030204" pitchFamily="18" charset="0"/>
@@ -10173,7 +10461,10 @@
                               <m:r>
                                 <a:rPr lang="ja-JP" altLang="en-US" sz="2800" b="0" i="1" smtClean="0">
                                   <a:solidFill>
-                                    <a:schemeClr val="tx1"/>
+                                    <a:schemeClr val="tx1">
+                                      <a:lumMod val="75000"/>
+                                      <a:lumOff val="25000"/>
+                                    </a:schemeClr>
                                   </a:solidFill>
                                   <a:latin typeface="Cambria Math" panose="02040503050406030204" pitchFamily="18" charset="0"/>
                                   <a:ea typeface="Cambria Math" panose="02040503050406030204" pitchFamily="18" charset="0"/>
@@ -10185,7 +10476,10 @@
                               <m:r>
                                 <a:rPr lang="en-US" altLang="ja-JP" sz="2800" b="0" i="1" smtClean="0">
                                   <a:solidFill>
-                                    <a:schemeClr val="tx1"/>
+                                    <a:schemeClr val="tx1">
+                                      <a:lumMod val="75000"/>
+                                      <a:lumOff val="25000"/>
+                                    </a:schemeClr>
                                   </a:solidFill>
                                   <a:latin typeface="Cambria Math" panose="02040503050406030204" pitchFamily="18" charset="0"/>
                                   <a:ea typeface="Cambria Math" panose="02040503050406030204" pitchFamily="18" charset="0"/>
@@ -10200,7 +10494,10 @@
                             </m:rPr>
                             <a:rPr lang="en-US" altLang="ja-JP" sz="2800" b="0" i="1" smtClean="0">
                               <a:solidFill>
-                                <a:schemeClr val="tx1"/>
+                                <a:schemeClr val="tx1">
+                                  <a:lumMod val="75000"/>
+                                  <a:lumOff val="25000"/>
+                                </a:schemeClr>
                               </a:solidFill>
                               <a:latin typeface="Cambria Math" panose="02040503050406030204" pitchFamily="18" charset="0"/>
                               <a:ea typeface="Cambria Math" panose="02040503050406030204" pitchFamily="18" charset="0"/>
@@ -10210,7 +10507,10 @@
                           <m:r>
                             <a:rPr lang="en-US" altLang="ja-JP" sz="2800" b="0" i="1" smtClean="0">
                               <a:solidFill>
-                                <a:schemeClr val="tx1"/>
+                                <a:schemeClr val="tx1">
+                                  <a:lumMod val="75000"/>
+                                  <a:lumOff val="25000"/>
+                                </a:schemeClr>
                               </a:solidFill>
                               <a:latin typeface="Cambria Math" panose="02040503050406030204" pitchFamily="18" charset="0"/>
                               <a:ea typeface="Cambria Math" panose="02040503050406030204" pitchFamily="18" charset="0"/>
@@ -10222,12 +10522,19 @@
                     </m:oMath>
                   </m:oMathPara>
                 </a14:m>
-                <a:endParaRPr kumimoji="1" lang="ja-JP" altLang="en-US" sz="2800" dirty="0"/>
+                <a:endParaRPr kumimoji="1" lang="ja-JP" altLang="en-US" sz="2800" dirty="0">
+                  <a:solidFill>
+                    <a:schemeClr val="tx1">
+                      <a:lumMod val="75000"/>
+                      <a:lumOff val="25000"/>
+                    </a:schemeClr>
+                  </a:solidFill>
+                </a:endParaRPr>
               </a:p>
             </p:txBody>
           </p:sp>
         </mc:Choice>
-        <mc:Fallback xmlns="">
+        <mc:Fallback>
           <p:sp>
             <p:nvSpPr>
               <p:cNvPr id="2" name="コンテンツ プレースホルダー 1">
@@ -10370,8 +10677,8 @@
           <a:chExt cx="0" cy="0"/>
         </a:xfrm>
       </p:grpSpPr>
-      <mc:AlternateContent xmlns:mc="http://schemas.openxmlformats.org/markup-compatibility/2006" xmlns:a14="http://schemas.microsoft.com/office/drawing/2010/main">
-        <mc:Choice Requires="a14">
+      <mc:AlternateContent xmlns:mc="http://schemas.openxmlformats.org/markup-compatibility/2006">
+        <mc:Choice xmlns:a14="http://schemas.microsoft.com/office/drawing/2010/main" Requires="a14">
           <p:sp>
             <p:nvSpPr>
               <p:cNvPr id="2" name="コンテンツ プレースホルダー 1">
@@ -10423,7 +10730,13 @@
                       <m:f>
                         <m:fPr>
                           <m:ctrlPr>
-                            <a:rPr lang="en-US" altLang="ja-JP" sz="2800" i="1">
+                            <a:rPr lang="en-US" altLang="ja-JP" sz="2800" i="1" smtClean="0">
+                              <a:solidFill>
+                                <a:schemeClr val="tx1">
+                                  <a:lumMod val="75000"/>
+                                  <a:lumOff val="25000"/>
+                                </a:schemeClr>
+                              </a:solidFill>
                               <a:latin typeface="Cambria Math" panose="02040503050406030204" pitchFamily="18" charset="0"/>
                             </a:rPr>
                           </m:ctrlPr>
@@ -10431,6 +10744,12 @@
                         <m:num>
                           <m:r>
                             <a:rPr lang="ja-JP" altLang="en-US" sz="2800" i="1">
+                              <a:solidFill>
+                                <a:schemeClr val="tx1">
+                                  <a:lumMod val="75000"/>
+                                  <a:lumOff val="25000"/>
+                                </a:schemeClr>
+                              </a:solidFill>
                               <a:latin typeface="Cambria Math" panose="02040503050406030204" pitchFamily="18" charset="0"/>
                             </a:rPr>
                             <m:t>𝜕</m:t>
@@ -10439,12 +10758,24 @@
                         <m:den>
                           <m:r>
                             <a:rPr lang="ja-JP" altLang="en-US" sz="2800" i="1">
+                              <a:solidFill>
+                                <a:schemeClr val="tx1">
+                                  <a:lumMod val="75000"/>
+                                  <a:lumOff val="25000"/>
+                                </a:schemeClr>
+                              </a:solidFill>
                               <a:latin typeface="Cambria Math" panose="02040503050406030204" pitchFamily="18" charset="0"/>
                             </a:rPr>
                             <m:t>𝜕</m:t>
                           </m:r>
                           <m:r>
                             <a:rPr lang="en-US" altLang="ja-JP" sz="2800" i="1">
+                              <a:solidFill>
+                                <a:schemeClr val="tx1">
+                                  <a:lumMod val="75000"/>
+                                  <a:lumOff val="25000"/>
+                                </a:schemeClr>
+                              </a:solidFill>
                               <a:latin typeface="Cambria Math" panose="02040503050406030204" pitchFamily="18" charset="0"/>
                             </a:rPr>
                             <m:t>𝑡</m:t>
@@ -10455,6 +10786,12 @@
                         <m:sSubSupPr>
                           <m:ctrlPr>
                             <a:rPr lang="en-US" altLang="ja-JP" sz="2800" i="1">
+                              <a:solidFill>
+                                <a:schemeClr val="tx1">
+                                  <a:lumMod val="75000"/>
+                                  <a:lumOff val="25000"/>
+                                </a:schemeClr>
+                              </a:solidFill>
                               <a:latin typeface="Cambria Math" panose="02040503050406030204" pitchFamily="18" charset="0"/>
                             </a:rPr>
                           </m:ctrlPr>
@@ -10462,6 +10799,12 @@
                         <m:e>
                           <m:r>
                             <a:rPr lang="ja-JP" altLang="en-US" sz="2800" i="1">
+                              <a:solidFill>
+                                <a:schemeClr val="tx1">
+                                  <a:lumMod val="75000"/>
+                                  <a:lumOff val="25000"/>
+                                </a:schemeClr>
+                              </a:solidFill>
                               <a:latin typeface="Cambria Math" panose="02040503050406030204" pitchFamily="18" charset="0"/>
                             </a:rPr>
                             <m:t>𝜌</m:t>
@@ -10470,6 +10813,12 @@
                         <m:sub>
                           <m:r>
                             <a:rPr lang="en-US" altLang="ja-JP" sz="2800" i="1">
+                              <a:solidFill>
+                                <a:schemeClr val="tx1">
+                                  <a:lumMod val="75000"/>
+                                  <a:lumOff val="25000"/>
+                                </a:schemeClr>
+                              </a:solidFill>
                               <a:latin typeface="Cambria Math" panose="02040503050406030204" pitchFamily="18" charset="0"/>
                             </a:rPr>
                             <m:t>𝑜</m:t>
@@ -10478,6 +10827,12 @@
                         <m:sup>
                           <m:r>
                             <a:rPr lang="en-US" altLang="ja-JP" sz="2800" i="1">
+                              <a:solidFill>
+                                <a:schemeClr val="tx1">
+                                  <a:lumMod val="75000"/>
+                                  <a:lumOff val="25000"/>
+                                </a:schemeClr>
+                              </a:solidFill>
                               <a:latin typeface="Cambria Math" panose="02040503050406030204" pitchFamily="18" charset="0"/>
                             </a:rPr>
                             <m:t>𝑅𝐶</m:t>
@@ -10486,6 +10841,12 @@
                       </m:sSubSup>
                       <m:r>
                         <a:rPr lang="ja-JP" altLang="en-US" sz="2800" i="1">
+                          <a:solidFill>
+                            <a:schemeClr val="tx1">
+                              <a:lumMod val="75000"/>
+                              <a:lumOff val="25000"/>
+                            </a:schemeClr>
+                          </a:solidFill>
                           <a:latin typeface="Cambria Math" panose="02040503050406030204" pitchFamily="18" charset="0"/>
                         </a:rPr>
                         <m:t>𝜙</m:t>
@@ -10494,6 +10855,12 @@
                         <m:sSubPr>
                           <m:ctrlPr>
                             <a:rPr lang="en-US" altLang="ja-JP" sz="2800" i="1">
+                              <a:solidFill>
+                                <a:schemeClr val="tx1">
+                                  <a:lumMod val="75000"/>
+                                  <a:lumOff val="25000"/>
+                                </a:schemeClr>
+                              </a:solidFill>
                               <a:latin typeface="Cambria Math" panose="02040503050406030204" pitchFamily="18" charset="0"/>
                             </a:rPr>
                           </m:ctrlPr>
@@ -10501,6 +10868,12 @@
                         <m:e>
                           <m:r>
                             <a:rPr lang="en-US" altLang="ja-JP" sz="2800" i="1">
+                              <a:solidFill>
+                                <a:schemeClr val="tx1">
+                                  <a:lumMod val="75000"/>
+                                  <a:lumOff val="25000"/>
+                                </a:schemeClr>
+                              </a:solidFill>
                               <a:latin typeface="Cambria Math" panose="02040503050406030204" pitchFamily="18" charset="0"/>
                             </a:rPr>
                             <m:t>𝑆</m:t>
@@ -10509,6 +10882,12 @@
                         <m:sub>
                           <m:r>
                             <a:rPr lang="en-US" altLang="ja-JP" sz="2800" i="1">
+                              <a:solidFill>
+                                <a:schemeClr val="tx1">
+                                  <a:lumMod val="75000"/>
+                                  <a:lumOff val="25000"/>
+                                </a:schemeClr>
+                              </a:solidFill>
                               <a:latin typeface="Cambria Math" panose="02040503050406030204" pitchFamily="18" charset="0"/>
                             </a:rPr>
                             <m:t>𝑜</m:t>
@@ -10518,7 +10897,10 @@
                       <m:r>
                         <a:rPr kumimoji="1" lang="en-US" altLang="ja-JP" sz="2800" i="1" smtClean="0">
                           <a:solidFill>
-                            <a:schemeClr val="tx1"/>
+                            <a:schemeClr val="tx1">
+                              <a:lumMod val="75000"/>
+                              <a:lumOff val="25000"/>
+                            </a:schemeClr>
                           </a:solidFill>
                           <a:latin typeface="Cambria Math" panose="02040503050406030204" pitchFamily="18" charset="0"/>
                           <a:ea typeface="Cambria Math" panose="02040503050406030204" pitchFamily="18" charset="0"/>
@@ -10528,7 +10910,10 @@
                       <m:r>
                         <a:rPr kumimoji="1" lang="en-US" altLang="ja-JP" sz="2800" b="0" i="1" smtClean="0">
                           <a:solidFill>
-                            <a:schemeClr val="tx1"/>
+                            <a:schemeClr val="tx1">
+                              <a:lumMod val="75000"/>
+                              <a:lumOff val="25000"/>
+                            </a:schemeClr>
                           </a:solidFill>
                           <a:latin typeface="Cambria Math" panose="02040503050406030204" pitchFamily="18" charset="0"/>
                           <a:ea typeface="Cambria Math" panose="02040503050406030204" pitchFamily="18" charset="0"/>
@@ -10541,7 +10926,10 @@
                         </m:rPr>
                         <a:rPr kumimoji="1" lang="en-US" altLang="ja-JP" sz="2800" i="1" smtClean="0">
                           <a:solidFill>
-                            <a:schemeClr val="tx1"/>
+                            <a:schemeClr val="tx1">
+                              <a:lumMod val="75000"/>
+                              <a:lumOff val="25000"/>
+                            </a:schemeClr>
                           </a:solidFill>
                           <a:latin typeface="Cambria Math" panose="02040503050406030204" pitchFamily="18" charset="0"/>
                           <a:ea typeface="Cambria Math" panose="02040503050406030204" pitchFamily="18" charset="0"/>
@@ -10551,7 +10939,10 @@
                       <m:r>
                         <a:rPr lang="en-US" altLang="ja-JP" sz="2800" i="1">
                           <a:solidFill>
-                            <a:schemeClr val="tx1"/>
+                            <a:schemeClr val="tx1">
+                              <a:lumMod val="75000"/>
+                              <a:lumOff val="25000"/>
+                            </a:schemeClr>
                           </a:solidFill>
                           <a:latin typeface="Cambria Math" panose="02040503050406030204" pitchFamily="18" charset="0"/>
                           <a:ea typeface="Cambria Math" panose="02040503050406030204" pitchFamily="18" charset="0"/>
@@ -10562,6 +10953,12 @@
                         <m:sSubSupPr>
                           <m:ctrlPr>
                             <a:rPr lang="en-US" altLang="ja-JP" sz="2800" i="1">
+                              <a:solidFill>
+                                <a:schemeClr val="tx1">
+                                  <a:lumMod val="75000"/>
+                                  <a:lumOff val="25000"/>
+                                </a:schemeClr>
+                              </a:solidFill>
                               <a:latin typeface="Cambria Math" panose="02040503050406030204" pitchFamily="18" charset="0"/>
                             </a:rPr>
                           </m:ctrlPr>
@@ -10569,6 +10966,12 @@
                         <m:e>
                           <m:r>
                             <a:rPr lang="ja-JP" altLang="en-US" sz="2800" i="1">
+                              <a:solidFill>
+                                <a:schemeClr val="tx1">
+                                  <a:lumMod val="75000"/>
+                                  <a:lumOff val="25000"/>
+                                </a:schemeClr>
+                              </a:solidFill>
                               <a:latin typeface="Cambria Math" panose="02040503050406030204" pitchFamily="18" charset="0"/>
                             </a:rPr>
                             <m:t>𝜌</m:t>
@@ -10577,6 +10980,12 @@
                         <m:sub>
                           <m:r>
                             <a:rPr lang="en-US" altLang="ja-JP" sz="2800" i="1">
+                              <a:solidFill>
+                                <a:schemeClr val="tx1">
+                                  <a:lumMod val="75000"/>
+                                  <a:lumOff val="25000"/>
+                                </a:schemeClr>
+                              </a:solidFill>
                               <a:latin typeface="Cambria Math" panose="02040503050406030204" pitchFamily="18" charset="0"/>
                             </a:rPr>
                             <m:t>𝑜</m:t>
@@ -10585,6 +10994,12 @@
                         <m:sup>
                           <m:r>
                             <a:rPr lang="en-US" altLang="ja-JP" sz="2800" i="1">
+                              <a:solidFill>
+                                <a:schemeClr val="tx1">
+                                  <a:lumMod val="75000"/>
+                                  <a:lumOff val="25000"/>
+                                </a:schemeClr>
+                              </a:solidFill>
                               <a:latin typeface="Cambria Math" panose="02040503050406030204" pitchFamily="18" charset="0"/>
                             </a:rPr>
                             <m:t>𝑅𝐶</m:t>
@@ -10596,7 +11011,10 @@
                           <m:ctrlPr>
                             <a:rPr kumimoji="1" lang="en-US" altLang="ja-JP" sz="2800" i="1" smtClean="0">
                               <a:solidFill>
-                                <a:schemeClr val="tx1"/>
+                                <a:schemeClr val="tx1">
+                                  <a:lumMod val="75000"/>
+                                  <a:lumOff val="25000"/>
+                                </a:schemeClr>
                               </a:solidFill>
                               <a:latin typeface="Cambria Math" panose="02040503050406030204" pitchFamily="18" charset="0"/>
                               <a:ea typeface="Cambria Math" panose="02040503050406030204" pitchFamily="18" charset="0"/>
@@ -10607,7 +11025,10 @@
                           <m:r>
                             <a:rPr kumimoji="1" lang="en-US" altLang="ja-JP" sz="2800" b="0" i="1" smtClean="0">
                               <a:solidFill>
-                                <a:schemeClr val="tx1"/>
+                                <a:schemeClr val="tx1">
+                                  <a:lumMod val="75000"/>
+                                  <a:lumOff val="25000"/>
+                                </a:schemeClr>
                               </a:solidFill>
                               <a:latin typeface="Cambria Math" panose="02040503050406030204" pitchFamily="18" charset="0"/>
                               <a:ea typeface="Cambria Math" panose="02040503050406030204" pitchFamily="18" charset="0"/>
@@ -10619,7 +11040,10 @@
                           <m:r>
                             <a:rPr kumimoji="1" lang="en-US" altLang="ja-JP" sz="2800" b="0" i="1" smtClean="0">
                               <a:solidFill>
-                                <a:schemeClr val="tx1"/>
+                                <a:schemeClr val="tx1">
+                                  <a:lumMod val="75000"/>
+                                  <a:lumOff val="25000"/>
+                                </a:schemeClr>
                               </a:solidFill>
                               <a:latin typeface="Cambria Math" panose="02040503050406030204" pitchFamily="18" charset="0"/>
                               <a:ea typeface="Cambria Math" panose="02040503050406030204" pitchFamily="18" charset="0"/>
@@ -10631,7 +11055,10 @@
                       <m:r>
                         <a:rPr kumimoji="1" lang="en-US" altLang="ja-JP" sz="2800" b="0" i="1" smtClean="0">
                           <a:solidFill>
-                            <a:schemeClr val="tx1"/>
+                            <a:schemeClr val="tx1">
+                              <a:lumMod val="75000"/>
+                              <a:lumOff val="25000"/>
+                            </a:schemeClr>
                           </a:solidFill>
                           <a:latin typeface="Cambria Math" panose="02040503050406030204" pitchFamily="18" charset="0"/>
                           <a:ea typeface="Cambria Math" panose="02040503050406030204" pitchFamily="18" charset="0"/>
@@ -10643,7 +11070,10 @@
                           <m:ctrlPr>
                             <a:rPr kumimoji="1" lang="en-US" altLang="ja-JP" sz="2800" b="0" i="1" smtClean="0">
                               <a:solidFill>
-                                <a:schemeClr val="tx1"/>
+                                <a:schemeClr val="tx1">
+                                  <a:lumMod val="75000"/>
+                                  <a:lumOff val="25000"/>
+                                </a:schemeClr>
                               </a:solidFill>
                               <a:latin typeface="Cambria Math" panose="02040503050406030204" pitchFamily="18" charset="0"/>
                               <a:ea typeface="Cambria Math" panose="02040503050406030204" pitchFamily="18" charset="0"/>
@@ -10657,7 +11087,10 @@
                               <m:ctrlPr>
                                 <a:rPr kumimoji="1" lang="en-US" altLang="ja-JP" sz="2800" b="0" i="1" smtClean="0">
                                   <a:solidFill>
-                                    <a:schemeClr val="tx1"/>
+                                    <a:schemeClr val="tx1">
+                                      <a:lumMod val="75000"/>
+                                      <a:lumOff val="25000"/>
+                                    </a:schemeClr>
                                   </a:solidFill>
                                   <a:latin typeface="Cambria Math" panose="02040503050406030204" pitchFamily="18" charset="0"/>
                                   <a:ea typeface="Cambria Math" panose="02040503050406030204" pitchFamily="18" charset="0"/>
@@ -10668,7 +11101,10 @@
                               <m:r>
                                 <a:rPr kumimoji="1" lang="en-US" altLang="ja-JP" sz="2800" b="0" i="1" smtClean="0">
                                   <a:solidFill>
-                                    <a:schemeClr val="tx1"/>
+                                    <a:schemeClr val="tx1">
+                                      <a:lumMod val="75000"/>
+                                      <a:lumOff val="25000"/>
+                                    </a:schemeClr>
                                   </a:solidFill>
                                   <a:latin typeface="Cambria Math" panose="02040503050406030204" pitchFamily="18" charset="0"/>
                                   <a:ea typeface="Cambria Math" panose="02040503050406030204" pitchFamily="18" charset="0"/>
@@ -10682,7 +11118,10 @@
                           <m:r>
                             <a:rPr kumimoji="1" lang="en-US" altLang="ja-JP" sz="2800" b="0" i="1" smtClean="0">
                               <a:solidFill>
-                                <a:schemeClr val="tx1"/>
+                                <a:schemeClr val="tx1">
+                                  <a:lumMod val="75000"/>
+                                  <a:lumOff val="25000"/>
+                                </a:schemeClr>
                               </a:solidFill>
                               <a:latin typeface="Cambria Math" panose="02040503050406030204" pitchFamily="18" charset="0"/>
                               <a:ea typeface="Cambria Math" panose="02040503050406030204" pitchFamily="18" charset="0"/>
@@ -10694,7 +11133,14 @@
                     </m:oMath>
                   </m:oMathPara>
                 </a14:m>
-                <a:endParaRPr kumimoji="1" lang="en-US" altLang="ja-JP" sz="2800" dirty="0"/>
+                <a:endParaRPr kumimoji="1" lang="en-US" altLang="ja-JP" sz="2800" dirty="0">
+                  <a:solidFill>
+                    <a:schemeClr val="tx1">
+                      <a:lumMod val="75000"/>
+                      <a:lumOff val="25000"/>
+                    </a:schemeClr>
+                  </a:solidFill>
+                </a:endParaRPr>
               </a:p>
               <a:p>
                 <a:pPr>
@@ -10703,18 +11149,46 @@
                   </a:lnSpc>
                 </a:pPr>
                 <a:r>
-                  <a:rPr kumimoji="1" lang="ja-JP" altLang="en-US" sz="2800" dirty="0"/>
+                  <a:rPr kumimoji="1" lang="ja-JP" altLang="en-US" sz="2800" dirty="0">
+                    <a:solidFill>
+                      <a:schemeClr val="tx1">
+                        <a:lumMod val="75000"/>
+                        <a:lumOff val="25000"/>
+                      </a:schemeClr>
+                    </a:solidFill>
+                  </a:rPr>
                   <a:t>ダルシーの法則（</a:t>
                 </a:r>
                 <a:r>
-                  <a:rPr kumimoji="1" lang="en-US" altLang="ja-JP" sz="2800" dirty="0"/>
+                  <a:rPr kumimoji="1" lang="en-US" altLang="ja-JP" sz="2800" dirty="0">
+                    <a:solidFill>
+                      <a:schemeClr val="tx1">
+                        <a:lumMod val="75000"/>
+                        <a:lumOff val="25000"/>
+                      </a:schemeClr>
+                    </a:solidFill>
+                  </a:rPr>
                   <a:t>2</a:t>
                 </a:r>
                 <a:r>
-                  <a:rPr lang="ja-JP" altLang="en-US" sz="2800" dirty="0"/>
+                  <a:rPr lang="ja-JP" altLang="en-US" sz="2800" dirty="0">
+                    <a:solidFill>
+                      <a:schemeClr val="tx1">
+                        <a:lumMod val="75000"/>
+                        <a:lumOff val="25000"/>
+                      </a:schemeClr>
+                    </a:solidFill>
+                  </a:rPr>
                   <a:t>相流）</a:t>
                 </a:r>
-                <a:endParaRPr kumimoji="1" lang="en-US" altLang="ja-JP" sz="2800" dirty="0"/>
+                <a:endParaRPr kumimoji="1" lang="en-US" altLang="ja-JP" sz="2800" dirty="0">
+                  <a:solidFill>
+                    <a:schemeClr val="tx1">
+                      <a:lumMod val="75000"/>
+                      <a:lumOff val="25000"/>
+                    </a:schemeClr>
+                  </a:solidFill>
+                </a:endParaRPr>
               </a:p>
               <a:p>
                 <a:pPr marL="0" indent="0">
@@ -10734,7 +11208,10 @@
                           <m:ctrlPr>
                             <a:rPr lang="en-US" altLang="ja-JP" sz="2800" i="1">
                               <a:solidFill>
-                                <a:schemeClr val="tx1"/>
+                                <a:schemeClr val="tx1">
+                                  <a:lumMod val="75000"/>
+                                  <a:lumOff val="25000"/>
+                                </a:schemeClr>
                               </a:solidFill>
                               <a:latin typeface="Cambria Math" panose="02040503050406030204" pitchFamily="18" charset="0"/>
                               <a:ea typeface="Cambria Math" panose="02040503050406030204" pitchFamily="18" charset="0"/>
@@ -10745,7 +11222,10 @@
                           <m:r>
                             <a:rPr lang="en-US" altLang="ja-JP" sz="2800" i="1">
                               <a:solidFill>
-                                <a:schemeClr val="tx1"/>
+                                <a:schemeClr val="tx1">
+                                  <a:lumMod val="75000"/>
+                                  <a:lumOff val="25000"/>
+                                </a:schemeClr>
                               </a:solidFill>
                               <a:latin typeface="Cambria Math" panose="02040503050406030204" pitchFamily="18" charset="0"/>
                               <a:ea typeface="Cambria Math" panose="02040503050406030204" pitchFamily="18" charset="0"/>
@@ -10757,7 +11237,10 @@
                           <m:r>
                             <a:rPr lang="en-US" altLang="ja-JP" sz="2800" b="0" i="1" smtClean="0">
                               <a:solidFill>
-                                <a:schemeClr val="tx1"/>
+                                <a:schemeClr val="tx1">
+                                  <a:lumMod val="75000"/>
+                                  <a:lumOff val="25000"/>
+                                </a:schemeClr>
                               </a:solidFill>
                               <a:latin typeface="Cambria Math" panose="02040503050406030204" pitchFamily="18" charset="0"/>
                               <a:ea typeface="Cambria Math" panose="02040503050406030204" pitchFamily="18" charset="0"/>
@@ -10769,7 +11252,10 @@
                       <m:r>
                         <a:rPr kumimoji="1" lang="en-US" altLang="ja-JP" sz="2800" i="1" smtClean="0">
                           <a:solidFill>
-                            <a:schemeClr val="tx1"/>
+                            <a:schemeClr val="tx1">
+                              <a:lumMod val="75000"/>
+                              <a:lumOff val="25000"/>
+                            </a:schemeClr>
                           </a:solidFill>
                           <a:latin typeface="Cambria Math" panose="02040503050406030204" pitchFamily="18" charset="0"/>
                           <a:ea typeface="Cambria Math" panose="02040503050406030204" pitchFamily="18" charset="0"/>
@@ -10779,7 +11265,10 @@
                       <m:r>
                         <a:rPr kumimoji="1" lang="en-US" altLang="ja-JP" sz="2800" b="0" i="1" smtClean="0">
                           <a:solidFill>
-                            <a:schemeClr val="tx1"/>
+                            <a:schemeClr val="tx1">
+                              <a:lumMod val="75000"/>
+                              <a:lumOff val="25000"/>
+                            </a:schemeClr>
                           </a:solidFill>
                           <a:latin typeface="Cambria Math" panose="02040503050406030204" pitchFamily="18" charset="0"/>
                           <a:ea typeface="Cambria Math" panose="02040503050406030204" pitchFamily="18" charset="0"/>
@@ -10791,7 +11280,10 @@
                           <m:ctrlPr>
                             <a:rPr lang="en-US" altLang="ja-JP" sz="2800" i="1">
                               <a:solidFill>
-                                <a:schemeClr val="tx1"/>
+                                <a:schemeClr val="tx1">
+                                  <a:lumMod val="75000"/>
+                                  <a:lumOff val="25000"/>
+                                </a:schemeClr>
                               </a:solidFill>
                               <a:latin typeface="Cambria Math" panose="02040503050406030204" pitchFamily="18" charset="0"/>
                               <a:ea typeface="Cambria Math" panose="02040503050406030204" pitchFamily="18" charset="0"/>
@@ -10802,7 +11294,10 @@
                           <m:r>
                             <a:rPr lang="en-US" altLang="ja-JP" sz="2800" i="1">
                               <a:solidFill>
-                                <a:schemeClr val="tx1"/>
+                                <a:schemeClr val="tx1">
+                                  <a:lumMod val="75000"/>
+                                  <a:lumOff val="25000"/>
+                                </a:schemeClr>
                               </a:solidFill>
                               <a:latin typeface="Cambria Math" panose="02040503050406030204" pitchFamily="18" charset="0"/>
                               <a:ea typeface="Cambria Math" panose="02040503050406030204" pitchFamily="18" charset="0"/>
@@ -10814,7 +11309,10 @@
                               <m:ctrlPr>
                                 <a:rPr lang="en-US" altLang="ja-JP" sz="2800" i="1">
                                   <a:solidFill>
-                                    <a:schemeClr val="tx1"/>
+                                    <a:schemeClr val="tx1">
+                                      <a:lumMod val="75000"/>
+                                      <a:lumOff val="25000"/>
+                                    </a:schemeClr>
                                   </a:solidFill>
                                   <a:latin typeface="Cambria Math" panose="02040503050406030204" pitchFamily="18" charset="0"/>
                                   <a:ea typeface="Cambria Math" panose="02040503050406030204" pitchFamily="18" charset="0"/>
@@ -10825,7 +11323,10 @@
                               <m:r>
                                 <a:rPr lang="en-US" altLang="ja-JP" sz="2800" i="1">
                                   <a:solidFill>
-                                    <a:schemeClr val="tx1"/>
+                                    <a:schemeClr val="tx1">
+                                      <a:lumMod val="75000"/>
+                                      <a:lumOff val="25000"/>
+                                    </a:schemeClr>
                                   </a:solidFill>
                                   <a:latin typeface="Cambria Math" panose="02040503050406030204" pitchFamily="18" charset="0"/>
                                   <a:ea typeface="Cambria Math" panose="02040503050406030204" pitchFamily="18" charset="0"/>
@@ -10837,7 +11338,10 @@
                               <m:r>
                                 <a:rPr lang="en-US" altLang="ja-JP" sz="2800" i="1">
                                   <a:solidFill>
-                                    <a:schemeClr val="tx1"/>
+                                    <a:schemeClr val="tx1">
+                                      <a:lumMod val="75000"/>
+                                      <a:lumOff val="25000"/>
+                                    </a:schemeClr>
                                   </a:solidFill>
                                   <a:latin typeface="Cambria Math" panose="02040503050406030204" pitchFamily="18" charset="0"/>
                                   <a:ea typeface="Cambria Math" panose="02040503050406030204" pitchFamily="18" charset="0"/>
@@ -10847,7 +11351,10 @@
                               <m:r>
                                 <a:rPr lang="en-US" altLang="ja-JP" sz="2800" b="0" i="1" smtClean="0">
                                   <a:solidFill>
-                                    <a:schemeClr val="tx1"/>
+                                    <a:schemeClr val="tx1">
+                                      <a:lumMod val="75000"/>
+                                      <a:lumOff val="25000"/>
+                                    </a:schemeClr>
                                   </a:solidFill>
                                   <a:latin typeface="Cambria Math" panose="02040503050406030204" pitchFamily="18" charset="0"/>
                                   <a:ea typeface="Cambria Math" panose="02040503050406030204" pitchFamily="18" charset="0"/>
@@ -10863,7 +11370,10 @@
                               <m:ctrlPr>
                                 <a:rPr lang="en-US" altLang="ja-JP" sz="2800" i="1">
                                   <a:solidFill>
-                                    <a:schemeClr val="tx1"/>
+                                    <a:schemeClr val="tx1">
+                                      <a:lumMod val="75000"/>
+                                      <a:lumOff val="25000"/>
+                                    </a:schemeClr>
                                   </a:solidFill>
                                   <a:latin typeface="Cambria Math" panose="02040503050406030204" pitchFamily="18" charset="0"/>
                                   <a:ea typeface="Cambria Math" panose="02040503050406030204" pitchFamily="18" charset="0"/>
@@ -10874,7 +11384,10 @@
                               <m:r>
                                 <a:rPr lang="ja-JP" altLang="en-US" sz="2800" i="1">
                                   <a:solidFill>
-                                    <a:schemeClr val="tx1"/>
+                                    <a:schemeClr val="tx1">
+                                      <a:lumMod val="75000"/>
+                                      <a:lumOff val="25000"/>
+                                    </a:schemeClr>
                                   </a:solidFill>
                                   <a:latin typeface="Cambria Math" panose="02040503050406030204" pitchFamily="18" charset="0"/>
                                   <a:ea typeface="Cambria Math" panose="02040503050406030204" pitchFamily="18" charset="0"/>
@@ -10886,7 +11399,10 @@
                               <m:r>
                                 <a:rPr lang="en-US" altLang="ja-JP" sz="2800" b="0" i="1" smtClean="0">
                                   <a:solidFill>
-                                    <a:schemeClr val="tx1"/>
+                                    <a:schemeClr val="tx1">
+                                      <a:lumMod val="75000"/>
+                                      <a:lumOff val="25000"/>
+                                    </a:schemeClr>
                                   </a:solidFill>
                                   <a:latin typeface="Cambria Math" panose="02040503050406030204" pitchFamily="18" charset="0"/>
                                   <a:ea typeface="Cambria Math" panose="02040503050406030204" pitchFamily="18" charset="0"/>
@@ -10902,7 +11418,10 @@
                           <m:ctrlPr>
                             <a:rPr lang="en-US" altLang="ja-JP" sz="2800" i="1" smtClean="0">
                               <a:solidFill>
-                                <a:schemeClr val="tx1"/>
+                                <a:schemeClr val="tx1">
+                                  <a:lumMod val="75000"/>
+                                  <a:lumOff val="25000"/>
+                                </a:schemeClr>
                               </a:solidFill>
                               <a:latin typeface="Cambria Math" panose="02040503050406030204" pitchFamily="18" charset="0"/>
                               <a:ea typeface="Cambria Math" panose="02040503050406030204" pitchFamily="18" charset="0"/>
@@ -10916,7 +11435,10 @@
                             </m:rPr>
                             <a:rPr lang="en-US" altLang="ja-JP" sz="2800" i="1">
                               <a:solidFill>
-                                <a:schemeClr val="tx1"/>
+                                <a:schemeClr val="tx1">
+                                  <a:lumMod val="75000"/>
+                                  <a:lumOff val="25000"/>
+                                </a:schemeClr>
                               </a:solidFill>
                               <a:latin typeface="Cambria Math" panose="02040503050406030204" pitchFamily="18" charset="0"/>
                               <a:ea typeface="Cambria Math" panose="02040503050406030204" pitchFamily="18" charset="0"/>
@@ -10928,7 +11450,10 @@
                               <m:ctrlPr>
                                 <a:rPr lang="en-US" altLang="ja-JP" sz="2800" i="1">
                                   <a:solidFill>
-                                    <a:schemeClr val="tx1"/>
+                                    <a:schemeClr val="tx1">
+                                      <a:lumMod val="75000"/>
+                                      <a:lumOff val="25000"/>
+                                    </a:schemeClr>
                                   </a:solidFill>
                                   <a:latin typeface="Cambria Math" panose="02040503050406030204" pitchFamily="18" charset="0"/>
                                   <a:ea typeface="Cambria Math" panose="02040503050406030204" pitchFamily="18" charset="0"/>
@@ -10939,7 +11464,10 @@
                               <m:r>
                                 <a:rPr lang="en-US" altLang="ja-JP" sz="2800" i="1">
                                   <a:solidFill>
-                                    <a:schemeClr val="tx1"/>
+                                    <a:schemeClr val="tx1">
+                                      <a:lumMod val="75000"/>
+                                      <a:lumOff val="25000"/>
+                                    </a:schemeClr>
                                   </a:solidFill>
                                   <a:latin typeface="Cambria Math" panose="02040503050406030204" pitchFamily="18" charset="0"/>
                                   <a:ea typeface="Cambria Math" panose="02040503050406030204" pitchFamily="18" charset="0"/>
@@ -10951,7 +11479,10 @@
                               <m:r>
                                 <a:rPr lang="en-US" altLang="ja-JP" sz="2800" b="0" i="1" smtClean="0">
                                   <a:solidFill>
-                                    <a:schemeClr val="tx1"/>
+                                    <a:schemeClr val="tx1">
+                                      <a:lumMod val="75000"/>
+                                      <a:lumOff val="25000"/>
+                                    </a:schemeClr>
                                   </a:solidFill>
                                   <a:latin typeface="Cambria Math" panose="02040503050406030204" pitchFamily="18" charset="0"/>
                                   <a:ea typeface="Cambria Math" panose="02040503050406030204" pitchFamily="18" charset="0"/>
@@ -10963,7 +11494,10 @@
                           <m:r>
                             <a:rPr lang="en-US" altLang="ja-JP" sz="2800" i="1">
                               <a:solidFill>
-                                <a:schemeClr val="tx1"/>
+                                <a:schemeClr val="tx1">
+                                  <a:lumMod val="75000"/>
+                                  <a:lumOff val="25000"/>
+                                </a:schemeClr>
                               </a:solidFill>
                               <a:latin typeface="Cambria Math" panose="02040503050406030204" pitchFamily="18" charset="0"/>
                               <a:ea typeface="Cambria Math" panose="02040503050406030204" pitchFamily="18" charset="0"/>
@@ -10975,7 +11509,10 @@
                               <m:ctrlPr>
                                 <a:rPr lang="en-US" altLang="ja-JP" sz="2800" i="1">
                                   <a:solidFill>
-                                    <a:schemeClr val="tx1"/>
+                                    <a:schemeClr val="tx1">
+                                      <a:lumMod val="75000"/>
+                                      <a:lumOff val="25000"/>
+                                    </a:schemeClr>
                                   </a:solidFill>
                                   <a:latin typeface="Cambria Math" panose="02040503050406030204" pitchFamily="18" charset="0"/>
                                   <a:ea typeface="Cambria Math" panose="02040503050406030204" pitchFamily="18" charset="0"/>
@@ -10986,7 +11523,10 @@
                               <m:r>
                                 <a:rPr lang="ja-JP" altLang="en-US" sz="2800" i="1">
                                   <a:solidFill>
-                                    <a:schemeClr val="tx1"/>
+                                    <a:schemeClr val="tx1">
+                                      <a:lumMod val="75000"/>
+                                      <a:lumOff val="25000"/>
+                                    </a:schemeClr>
                                   </a:solidFill>
                                   <a:latin typeface="Cambria Math" panose="02040503050406030204" pitchFamily="18" charset="0"/>
                                   <a:ea typeface="Cambria Math" panose="02040503050406030204" pitchFamily="18" charset="0"/>
@@ -10998,7 +11538,10 @@
                               <m:r>
                                 <a:rPr lang="en-US" altLang="ja-JP" sz="2800" b="0" i="1" smtClean="0">
                                   <a:solidFill>
-                                    <a:schemeClr val="tx1"/>
+                                    <a:schemeClr val="tx1">
+                                      <a:lumMod val="75000"/>
+                                      <a:lumOff val="25000"/>
+                                    </a:schemeClr>
                                   </a:solidFill>
                                   <a:latin typeface="Cambria Math" panose="02040503050406030204" pitchFamily="18" charset="0"/>
                                   <a:ea typeface="Cambria Math" panose="02040503050406030204" pitchFamily="18" charset="0"/>
@@ -11013,7 +11556,10 @@
                             </m:rPr>
                             <a:rPr lang="en-US" altLang="ja-JP" sz="2800" i="1">
                               <a:solidFill>
-                                <a:schemeClr val="tx1"/>
+                                <a:schemeClr val="tx1">
+                                  <a:lumMod val="75000"/>
+                                  <a:lumOff val="25000"/>
+                                </a:schemeClr>
                               </a:solidFill>
                               <a:latin typeface="Cambria Math" panose="02040503050406030204" pitchFamily="18" charset="0"/>
                               <a:ea typeface="Cambria Math" panose="02040503050406030204" pitchFamily="18" charset="0"/>
@@ -11023,7 +11569,10 @@
                           <m:r>
                             <a:rPr lang="en-US" altLang="ja-JP" sz="2800" i="1">
                               <a:solidFill>
-                                <a:schemeClr val="tx1"/>
+                                <a:schemeClr val="tx1">
+                                  <a:lumMod val="75000"/>
+                                  <a:lumOff val="25000"/>
+                                </a:schemeClr>
                               </a:solidFill>
                               <a:latin typeface="Cambria Math" panose="02040503050406030204" pitchFamily="18" charset="0"/>
                               <a:ea typeface="Cambria Math" panose="02040503050406030204" pitchFamily="18" charset="0"/>
@@ -11040,7 +11589,7 @@
             </p:txBody>
           </p:sp>
         </mc:Choice>
-        <mc:Fallback xmlns="">
+        <mc:Fallback>
           <p:sp>
             <p:nvSpPr>
               <p:cNvPr id="2" name="コンテンツ プレースホルダー 1">
